--- a/ppt 16-9/0593.主是我的诗歌.pptx
+++ b/ppt 16-9/0593.主是我的诗歌.pptx
@@ -129,7 +129,7 @@
           <p:cNvPr id="2" name="标题 1">
             <a:extLst>
               <a:ext uri="{FF2B5EF4-FFF2-40B4-BE49-F238E27FC236}">
-                <a16:creationId xmlns:a16="http://schemas.microsoft.com/office/drawing/2014/main" id="{C271D0E1-FE40-47BC-AE0B-151DEC9AC210}"/>
+                <a16:creationId xmlns:a16="http://schemas.microsoft.com/office/drawing/2014/main" id="{DEBC5DC8-3076-BFAA-E50C-584C20F548B1}"/>
               </a:ext>
             </a:extLst>
           </p:cNvPr>
@@ -166,7 +166,7 @@
           <p:cNvPr id="3" name="副标题 2">
             <a:extLst>
               <a:ext uri="{FF2B5EF4-FFF2-40B4-BE49-F238E27FC236}">
-                <a16:creationId xmlns:a16="http://schemas.microsoft.com/office/drawing/2014/main" id="{5EFE5294-6E18-2A6C-4E71-BE5B20CAE0BE}"/>
+                <a16:creationId xmlns:a16="http://schemas.microsoft.com/office/drawing/2014/main" id="{F4779AED-30FC-0871-2781-2692E1DEAE17}"/>
               </a:ext>
             </a:extLst>
           </p:cNvPr>
@@ -236,7 +236,7 @@
           <p:cNvPr id="4" name="日期占位符 3">
             <a:extLst>
               <a:ext uri="{FF2B5EF4-FFF2-40B4-BE49-F238E27FC236}">
-                <a16:creationId xmlns:a16="http://schemas.microsoft.com/office/drawing/2014/main" id="{3FD31582-BF45-1CF5-4F3D-F0862A3FEA96}"/>
+                <a16:creationId xmlns:a16="http://schemas.microsoft.com/office/drawing/2014/main" id="{68254C95-4572-170D-CAED-333A2CE8B2E7}"/>
               </a:ext>
             </a:extLst>
           </p:cNvPr>
@@ -252,7 +252,7 @@
           <a:bodyPr/>
           <a:lstStyle/>
           <a:p>
-            <a:fld id="{0E61F5C1-1BB4-48BE-B366-9009FCE60509}" type="datetimeFigureOut">
+            <a:fld id="{71E0620D-266A-4422-AFAC-7C51CA0EE018}" type="datetimeFigureOut">
               <a:rPr lang="zh-CN" altLang="en-US" smtClean="0"/>
               <a:t>2024/3/10</a:t>
             </a:fld>
@@ -265,7 +265,7 @@
           <p:cNvPr id="5" name="页脚占位符 4">
             <a:extLst>
               <a:ext uri="{FF2B5EF4-FFF2-40B4-BE49-F238E27FC236}">
-                <a16:creationId xmlns:a16="http://schemas.microsoft.com/office/drawing/2014/main" id="{1609CB81-AF25-4B56-A9B2-0E708EBAD439}"/>
+                <a16:creationId xmlns:a16="http://schemas.microsoft.com/office/drawing/2014/main" id="{D1A4DC0C-D23D-DC96-9F8C-35E155849CA7}"/>
               </a:ext>
             </a:extLst>
           </p:cNvPr>
@@ -290,7 +290,7 @@
           <p:cNvPr id="6" name="灯片编号占位符 5">
             <a:extLst>
               <a:ext uri="{FF2B5EF4-FFF2-40B4-BE49-F238E27FC236}">
-                <a16:creationId xmlns:a16="http://schemas.microsoft.com/office/drawing/2014/main" id="{937641F7-39D3-DC52-1A63-CA9E59AAA604}"/>
+                <a16:creationId xmlns:a16="http://schemas.microsoft.com/office/drawing/2014/main" id="{4C4745B4-263F-F4FC-A15F-FF3BAD632AA6}"/>
               </a:ext>
             </a:extLst>
           </p:cNvPr>
@@ -306,7 +306,7 @@
           <a:bodyPr/>
           <a:lstStyle/>
           <a:p>
-            <a:fld id="{674CE44B-6424-41F5-9995-2E46BE86F605}" type="slidenum">
+            <a:fld id="{FFEA5EF1-8BF6-440D-9E40-D05351763CD4}" type="slidenum">
               <a:rPr lang="zh-CN" altLang="en-US" smtClean="0"/>
               <a:t>‹#›</a:t>
             </a:fld>
@@ -317,7 +317,7 @@
     </p:spTree>
     <p:extLst>
       <p:ext uri="{BB962C8B-B14F-4D97-AF65-F5344CB8AC3E}">
-        <p14:creationId xmlns:p14="http://schemas.microsoft.com/office/powerpoint/2010/main" val="2626941412"/>
+        <p14:creationId xmlns:p14="http://schemas.microsoft.com/office/powerpoint/2010/main" val="2359523618"/>
       </p:ext>
     </p:extLst>
   </p:cSld>
@@ -349,7 +349,7 @@
           <p:cNvPr id="2" name="标题 1">
             <a:extLst>
               <a:ext uri="{FF2B5EF4-FFF2-40B4-BE49-F238E27FC236}">
-                <a16:creationId xmlns:a16="http://schemas.microsoft.com/office/drawing/2014/main" id="{9A282B2C-4FD4-F0C7-65B0-29E22318077C}"/>
+                <a16:creationId xmlns:a16="http://schemas.microsoft.com/office/drawing/2014/main" id="{769B2247-60FA-03FF-56F3-B85DF303392C}"/>
               </a:ext>
             </a:extLst>
           </p:cNvPr>
@@ -377,7 +377,7 @@
           <p:cNvPr id="3" name="竖排文字占位符 2">
             <a:extLst>
               <a:ext uri="{FF2B5EF4-FFF2-40B4-BE49-F238E27FC236}">
-                <a16:creationId xmlns:a16="http://schemas.microsoft.com/office/drawing/2014/main" id="{6EC50FBE-9AF6-13C5-7080-BC8E2EEF76EA}"/>
+                <a16:creationId xmlns:a16="http://schemas.microsoft.com/office/drawing/2014/main" id="{E36D9AD0-C6ED-74E6-E678-DB84E19A91C3}"/>
               </a:ext>
             </a:extLst>
           </p:cNvPr>
@@ -434,7 +434,7 @@
           <p:cNvPr id="4" name="日期占位符 3">
             <a:extLst>
               <a:ext uri="{FF2B5EF4-FFF2-40B4-BE49-F238E27FC236}">
-                <a16:creationId xmlns:a16="http://schemas.microsoft.com/office/drawing/2014/main" id="{7870059E-EE14-24F9-CDD6-DD716A38A1A1}"/>
+                <a16:creationId xmlns:a16="http://schemas.microsoft.com/office/drawing/2014/main" id="{8B59D242-AE4E-EC65-7DCB-B7E2FB36CA7F}"/>
               </a:ext>
             </a:extLst>
           </p:cNvPr>
@@ -450,7 +450,7 @@
           <a:bodyPr/>
           <a:lstStyle/>
           <a:p>
-            <a:fld id="{0E61F5C1-1BB4-48BE-B366-9009FCE60509}" type="datetimeFigureOut">
+            <a:fld id="{71E0620D-266A-4422-AFAC-7C51CA0EE018}" type="datetimeFigureOut">
               <a:rPr lang="zh-CN" altLang="en-US" smtClean="0"/>
               <a:t>2024/3/10</a:t>
             </a:fld>
@@ -463,7 +463,7 @@
           <p:cNvPr id="5" name="页脚占位符 4">
             <a:extLst>
               <a:ext uri="{FF2B5EF4-FFF2-40B4-BE49-F238E27FC236}">
-                <a16:creationId xmlns:a16="http://schemas.microsoft.com/office/drawing/2014/main" id="{B69DAB7B-3188-7CD1-34B1-D29C61EC25CC}"/>
+                <a16:creationId xmlns:a16="http://schemas.microsoft.com/office/drawing/2014/main" id="{4B297C0E-5A0C-E9D9-EDFB-486F8359F4C9}"/>
               </a:ext>
             </a:extLst>
           </p:cNvPr>
@@ -488,7 +488,7 @@
           <p:cNvPr id="6" name="灯片编号占位符 5">
             <a:extLst>
               <a:ext uri="{FF2B5EF4-FFF2-40B4-BE49-F238E27FC236}">
-                <a16:creationId xmlns:a16="http://schemas.microsoft.com/office/drawing/2014/main" id="{AB19A746-0D77-BEDE-AF67-7325C839203D}"/>
+                <a16:creationId xmlns:a16="http://schemas.microsoft.com/office/drawing/2014/main" id="{CDF5D1C6-1E57-A48B-BDAA-B10ABF44DCBA}"/>
               </a:ext>
             </a:extLst>
           </p:cNvPr>
@@ -504,7 +504,7 @@
           <a:bodyPr/>
           <a:lstStyle/>
           <a:p>
-            <a:fld id="{674CE44B-6424-41F5-9995-2E46BE86F605}" type="slidenum">
+            <a:fld id="{FFEA5EF1-8BF6-440D-9E40-D05351763CD4}" type="slidenum">
               <a:rPr lang="zh-CN" altLang="en-US" smtClean="0"/>
               <a:t>‹#›</a:t>
             </a:fld>
@@ -515,7 +515,7 @@
     </p:spTree>
     <p:extLst>
       <p:ext uri="{BB962C8B-B14F-4D97-AF65-F5344CB8AC3E}">
-        <p14:creationId xmlns:p14="http://schemas.microsoft.com/office/powerpoint/2010/main" val="1562957529"/>
+        <p14:creationId xmlns:p14="http://schemas.microsoft.com/office/powerpoint/2010/main" val="3811763795"/>
       </p:ext>
     </p:extLst>
   </p:cSld>
@@ -547,7 +547,7 @@
           <p:cNvPr id="2" name="竖排标题 1">
             <a:extLst>
               <a:ext uri="{FF2B5EF4-FFF2-40B4-BE49-F238E27FC236}">
-                <a16:creationId xmlns:a16="http://schemas.microsoft.com/office/drawing/2014/main" id="{7C14F4BC-BBE7-C0C1-CF13-A4360DD98269}"/>
+                <a16:creationId xmlns:a16="http://schemas.microsoft.com/office/drawing/2014/main" id="{18BCDA13-3A2E-0219-A8B2-BEDAEF900ED1}"/>
               </a:ext>
             </a:extLst>
           </p:cNvPr>
@@ -580,7 +580,7 @@
           <p:cNvPr id="3" name="竖排文字占位符 2">
             <a:extLst>
               <a:ext uri="{FF2B5EF4-FFF2-40B4-BE49-F238E27FC236}">
-                <a16:creationId xmlns:a16="http://schemas.microsoft.com/office/drawing/2014/main" id="{3ADA786B-BA26-6B2F-8993-56035A2FDC83}"/>
+                <a16:creationId xmlns:a16="http://schemas.microsoft.com/office/drawing/2014/main" id="{1182C913-962A-E7A6-E40D-223586EDD4B4}"/>
               </a:ext>
             </a:extLst>
           </p:cNvPr>
@@ -642,7 +642,7 @@
           <p:cNvPr id="4" name="日期占位符 3">
             <a:extLst>
               <a:ext uri="{FF2B5EF4-FFF2-40B4-BE49-F238E27FC236}">
-                <a16:creationId xmlns:a16="http://schemas.microsoft.com/office/drawing/2014/main" id="{4918C4D0-B4C1-4086-8B34-111B0FE7668F}"/>
+                <a16:creationId xmlns:a16="http://schemas.microsoft.com/office/drawing/2014/main" id="{41992B94-6FAC-C03C-DC8C-4ADDC390CCEC}"/>
               </a:ext>
             </a:extLst>
           </p:cNvPr>
@@ -658,7 +658,7 @@
           <a:bodyPr/>
           <a:lstStyle/>
           <a:p>
-            <a:fld id="{0E61F5C1-1BB4-48BE-B366-9009FCE60509}" type="datetimeFigureOut">
+            <a:fld id="{71E0620D-266A-4422-AFAC-7C51CA0EE018}" type="datetimeFigureOut">
               <a:rPr lang="zh-CN" altLang="en-US" smtClean="0"/>
               <a:t>2024/3/10</a:t>
             </a:fld>
@@ -671,7 +671,7 @@
           <p:cNvPr id="5" name="页脚占位符 4">
             <a:extLst>
               <a:ext uri="{FF2B5EF4-FFF2-40B4-BE49-F238E27FC236}">
-                <a16:creationId xmlns:a16="http://schemas.microsoft.com/office/drawing/2014/main" id="{932D1E53-816A-1E6D-B261-B0D58FA97322}"/>
+                <a16:creationId xmlns:a16="http://schemas.microsoft.com/office/drawing/2014/main" id="{A993AD65-F5F2-41DD-D672-D2ED9BAC96AB}"/>
               </a:ext>
             </a:extLst>
           </p:cNvPr>
@@ -696,7 +696,7 @@
           <p:cNvPr id="6" name="灯片编号占位符 5">
             <a:extLst>
               <a:ext uri="{FF2B5EF4-FFF2-40B4-BE49-F238E27FC236}">
-                <a16:creationId xmlns:a16="http://schemas.microsoft.com/office/drawing/2014/main" id="{A6F49631-F47A-34E0-C492-241A7290833D}"/>
+                <a16:creationId xmlns:a16="http://schemas.microsoft.com/office/drawing/2014/main" id="{042B75A9-ACD5-AFF4-F5F1-2F6FEB80D0E2}"/>
               </a:ext>
             </a:extLst>
           </p:cNvPr>
@@ -712,7 +712,7 @@
           <a:bodyPr/>
           <a:lstStyle/>
           <a:p>
-            <a:fld id="{674CE44B-6424-41F5-9995-2E46BE86F605}" type="slidenum">
+            <a:fld id="{FFEA5EF1-8BF6-440D-9E40-D05351763CD4}" type="slidenum">
               <a:rPr lang="zh-CN" altLang="en-US" smtClean="0"/>
               <a:t>‹#›</a:t>
             </a:fld>
@@ -723,7 +723,7 @@
     </p:spTree>
     <p:extLst>
       <p:ext uri="{BB962C8B-B14F-4D97-AF65-F5344CB8AC3E}">
-        <p14:creationId xmlns:p14="http://schemas.microsoft.com/office/powerpoint/2010/main" val="3626830720"/>
+        <p14:creationId xmlns:p14="http://schemas.microsoft.com/office/powerpoint/2010/main" val="1869476482"/>
       </p:ext>
     </p:extLst>
   </p:cSld>
@@ -755,7 +755,7 @@
           <p:cNvPr id="2" name="标题 1">
             <a:extLst>
               <a:ext uri="{FF2B5EF4-FFF2-40B4-BE49-F238E27FC236}">
-                <a16:creationId xmlns:a16="http://schemas.microsoft.com/office/drawing/2014/main" id="{B78DE4BA-07A3-8988-96A8-1042A32264A1}"/>
+                <a16:creationId xmlns:a16="http://schemas.microsoft.com/office/drawing/2014/main" id="{29974193-149E-8188-0F96-FD4B96340586}"/>
               </a:ext>
             </a:extLst>
           </p:cNvPr>
@@ -783,7 +783,7 @@
           <p:cNvPr id="3" name="内容占位符 2">
             <a:extLst>
               <a:ext uri="{FF2B5EF4-FFF2-40B4-BE49-F238E27FC236}">
-                <a16:creationId xmlns:a16="http://schemas.microsoft.com/office/drawing/2014/main" id="{22E9876C-E5EC-24BE-12C0-742357BCC730}"/>
+                <a16:creationId xmlns:a16="http://schemas.microsoft.com/office/drawing/2014/main" id="{D636A183-E956-0ABB-4426-852D5C306F55}"/>
               </a:ext>
             </a:extLst>
           </p:cNvPr>
@@ -840,7 +840,7 @@
           <p:cNvPr id="4" name="日期占位符 3">
             <a:extLst>
               <a:ext uri="{FF2B5EF4-FFF2-40B4-BE49-F238E27FC236}">
-                <a16:creationId xmlns:a16="http://schemas.microsoft.com/office/drawing/2014/main" id="{DA93A227-2FCE-9AFA-53FE-79ECFDA6D087}"/>
+                <a16:creationId xmlns:a16="http://schemas.microsoft.com/office/drawing/2014/main" id="{8D6E0054-35A8-E71C-06A6-D137DC4F0542}"/>
               </a:ext>
             </a:extLst>
           </p:cNvPr>
@@ -856,7 +856,7 @@
           <a:bodyPr/>
           <a:lstStyle/>
           <a:p>
-            <a:fld id="{0E61F5C1-1BB4-48BE-B366-9009FCE60509}" type="datetimeFigureOut">
+            <a:fld id="{71E0620D-266A-4422-AFAC-7C51CA0EE018}" type="datetimeFigureOut">
               <a:rPr lang="zh-CN" altLang="en-US" smtClean="0"/>
               <a:t>2024/3/10</a:t>
             </a:fld>
@@ -869,7 +869,7 @@
           <p:cNvPr id="5" name="页脚占位符 4">
             <a:extLst>
               <a:ext uri="{FF2B5EF4-FFF2-40B4-BE49-F238E27FC236}">
-                <a16:creationId xmlns:a16="http://schemas.microsoft.com/office/drawing/2014/main" id="{ABB2C712-B5A5-1DF1-7BCC-F573EE99D344}"/>
+                <a16:creationId xmlns:a16="http://schemas.microsoft.com/office/drawing/2014/main" id="{93C89180-200B-C2FB-AF4E-089C56F8570F}"/>
               </a:ext>
             </a:extLst>
           </p:cNvPr>
@@ -894,7 +894,7 @@
           <p:cNvPr id="6" name="灯片编号占位符 5">
             <a:extLst>
               <a:ext uri="{FF2B5EF4-FFF2-40B4-BE49-F238E27FC236}">
-                <a16:creationId xmlns:a16="http://schemas.microsoft.com/office/drawing/2014/main" id="{69DB96A4-4669-D827-C2E6-360949B413F9}"/>
+                <a16:creationId xmlns:a16="http://schemas.microsoft.com/office/drawing/2014/main" id="{4643340D-DE36-3A24-1E82-4D22D3A02AA1}"/>
               </a:ext>
             </a:extLst>
           </p:cNvPr>
@@ -910,7 +910,7 @@
           <a:bodyPr/>
           <a:lstStyle/>
           <a:p>
-            <a:fld id="{674CE44B-6424-41F5-9995-2E46BE86F605}" type="slidenum">
+            <a:fld id="{FFEA5EF1-8BF6-440D-9E40-D05351763CD4}" type="slidenum">
               <a:rPr lang="zh-CN" altLang="en-US" smtClean="0"/>
               <a:t>‹#›</a:t>
             </a:fld>
@@ -921,7 +921,7 @@
     </p:spTree>
     <p:extLst>
       <p:ext uri="{BB962C8B-B14F-4D97-AF65-F5344CB8AC3E}">
-        <p14:creationId xmlns:p14="http://schemas.microsoft.com/office/powerpoint/2010/main" val="2859433222"/>
+        <p14:creationId xmlns:p14="http://schemas.microsoft.com/office/powerpoint/2010/main" val="1306845645"/>
       </p:ext>
     </p:extLst>
   </p:cSld>
@@ -953,7 +953,7 @@
           <p:cNvPr id="2" name="标题 1">
             <a:extLst>
               <a:ext uri="{FF2B5EF4-FFF2-40B4-BE49-F238E27FC236}">
-                <a16:creationId xmlns:a16="http://schemas.microsoft.com/office/drawing/2014/main" id="{5B9BE380-62B4-A9F7-B72E-DF1B066CDB35}"/>
+                <a16:creationId xmlns:a16="http://schemas.microsoft.com/office/drawing/2014/main" id="{C2874C1E-1BB2-7826-65F7-D7B187EAD2A9}"/>
               </a:ext>
             </a:extLst>
           </p:cNvPr>
@@ -990,7 +990,7 @@
           <p:cNvPr id="3" name="文本占位符 2">
             <a:extLst>
               <a:ext uri="{FF2B5EF4-FFF2-40B4-BE49-F238E27FC236}">
-                <a16:creationId xmlns:a16="http://schemas.microsoft.com/office/drawing/2014/main" id="{C8F5989F-DCEF-1CB8-6689-E34A1EA993F0}"/>
+                <a16:creationId xmlns:a16="http://schemas.microsoft.com/office/drawing/2014/main" id="{FE5EC1B3-308A-E912-7DDE-A4B8541396A3}"/>
               </a:ext>
             </a:extLst>
           </p:cNvPr>
@@ -1115,7 +1115,7 @@
           <p:cNvPr id="4" name="日期占位符 3">
             <a:extLst>
               <a:ext uri="{FF2B5EF4-FFF2-40B4-BE49-F238E27FC236}">
-                <a16:creationId xmlns:a16="http://schemas.microsoft.com/office/drawing/2014/main" id="{8A578E90-FD9D-9522-C74B-B61803E242A7}"/>
+                <a16:creationId xmlns:a16="http://schemas.microsoft.com/office/drawing/2014/main" id="{0869D767-2805-CB01-8374-60534FE91834}"/>
               </a:ext>
             </a:extLst>
           </p:cNvPr>
@@ -1131,7 +1131,7 @@
           <a:bodyPr/>
           <a:lstStyle/>
           <a:p>
-            <a:fld id="{0E61F5C1-1BB4-48BE-B366-9009FCE60509}" type="datetimeFigureOut">
+            <a:fld id="{71E0620D-266A-4422-AFAC-7C51CA0EE018}" type="datetimeFigureOut">
               <a:rPr lang="zh-CN" altLang="en-US" smtClean="0"/>
               <a:t>2024/3/10</a:t>
             </a:fld>
@@ -1144,7 +1144,7 @@
           <p:cNvPr id="5" name="页脚占位符 4">
             <a:extLst>
               <a:ext uri="{FF2B5EF4-FFF2-40B4-BE49-F238E27FC236}">
-                <a16:creationId xmlns:a16="http://schemas.microsoft.com/office/drawing/2014/main" id="{A7F83678-8BC2-C918-9BB7-EEC9FB3808ED}"/>
+                <a16:creationId xmlns:a16="http://schemas.microsoft.com/office/drawing/2014/main" id="{517EA6CD-8B82-ADBF-B033-C51E96C226AF}"/>
               </a:ext>
             </a:extLst>
           </p:cNvPr>
@@ -1169,7 +1169,7 @@
           <p:cNvPr id="6" name="灯片编号占位符 5">
             <a:extLst>
               <a:ext uri="{FF2B5EF4-FFF2-40B4-BE49-F238E27FC236}">
-                <a16:creationId xmlns:a16="http://schemas.microsoft.com/office/drawing/2014/main" id="{C42921FC-DB9D-5CBE-2260-6324D7D27C6B}"/>
+                <a16:creationId xmlns:a16="http://schemas.microsoft.com/office/drawing/2014/main" id="{89D66ED6-5FC3-D067-489E-6ABA17B9FD0D}"/>
               </a:ext>
             </a:extLst>
           </p:cNvPr>
@@ -1185,7 +1185,7 @@
           <a:bodyPr/>
           <a:lstStyle/>
           <a:p>
-            <a:fld id="{674CE44B-6424-41F5-9995-2E46BE86F605}" type="slidenum">
+            <a:fld id="{FFEA5EF1-8BF6-440D-9E40-D05351763CD4}" type="slidenum">
               <a:rPr lang="zh-CN" altLang="en-US" smtClean="0"/>
               <a:t>‹#›</a:t>
             </a:fld>
@@ -1196,7 +1196,7 @@
     </p:spTree>
     <p:extLst>
       <p:ext uri="{BB962C8B-B14F-4D97-AF65-F5344CB8AC3E}">
-        <p14:creationId xmlns:p14="http://schemas.microsoft.com/office/powerpoint/2010/main" val="825724650"/>
+        <p14:creationId xmlns:p14="http://schemas.microsoft.com/office/powerpoint/2010/main" val="2092718054"/>
       </p:ext>
     </p:extLst>
   </p:cSld>
@@ -1228,7 +1228,7 @@
           <p:cNvPr id="2" name="标题 1">
             <a:extLst>
               <a:ext uri="{FF2B5EF4-FFF2-40B4-BE49-F238E27FC236}">
-                <a16:creationId xmlns:a16="http://schemas.microsoft.com/office/drawing/2014/main" id="{5F75EF75-F1AA-6D18-1616-14D06739C78A}"/>
+                <a16:creationId xmlns:a16="http://schemas.microsoft.com/office/drawing/2014/main" id="{1C52B834-30AC-F67F-6DF1-15D87FF80D8E}"/>
               </a:ext>
             </a:extLst>
           </p:cNvPr>
@@ -1256,7 +1256,7 @@
           <p:cNvPr id="3" name="内容占位符 2">
             <a:extLst>
               <a:ext uri="{FF2B5EF4-FFF2-40B4-BE49-F238E27FC236}">
-                <a16:creationId xmlns:a16="http://schemas.microsoft.com/office/drawing/2014/main" id="{9B2113DD-6608-0861-D482-B1B6E3B4AABE}"/>
+                <a16:creationId xmlns:a16="http://schemas.microsoft.com/office/drawing/2014/main" id="{6F8EBED4-DC0F-9BC6-D405-06E9DC92A49A}"/>
               </a:ext>
             </a:extLst>
           </p:cNvPr>
@@ -1318,7 +1318,7 @@
           <p:cNvPr id="4" name="内容占位符 3">
             <a:extLst>
               <a:ext uri="{FF2B5EF4-FFF2-40B4-BE49-F238E27FC236}">
-                <a16:creationId xmlns:a16="http://schemas.microsoft.com/office/drawing/2014/main" id="{926124CE-2B31-0144-E2EB-0D834226DFE2}"/>
+                <a16:creationId xmlns:a16="http://schemas.microsoft.com/office/drawing/2014/main" id="{3577B773-D082-C4C7-EE6B-1B628A2E7E31}"/>
               </a:ext>
             </a:extLst>
           </p:cNvPr>
@@ -1380,7 +1380,7 @@
           <p:cNvPr id="5" name="日期占位符 4">
             <a:extLst>
               <a:ext uri="{FF2B5EF4-FFF2-40B4-BE49-F238E27FC236}">
-                <a16:creationId xmlns:a16="http://schemas.microsoft.com/office/drawing/2014/main" id="{77ED053F-B90B-6383-FC7D-24F144A071CC}"/>
+                <a16:creationId xmlns:a16="http://schemas.microsoft.com/office/drawing/2014/main" id="{E4E6835F-BDD4-0B6C-BBFB-301DC76A7F85}"/>
               </a:ext>
             </a:extLst>
           </p:cNvPr>
@@ -1396,7 +1396,7 @@
           <a:bodyPr/>
           <a:lstStyle/>
           <a:p>
-            <a:fld id="{0E61F5C1-1BB4-48BE-B366-9009FCE60509}" type="datetimeFigureOut">
+            <a:fld id="{71E0620D-266A-4422-AFAC-7C51CA0EE018}" type="datetimeFigureOut">
               <a:rPr lang="zh-CN" altLang="en-US" smtClean="0"/>
               <a:t>2024/3/10</a:t>
             </a:fld>
@@ -1409,7 +1409,7 @@
           <p:cNvPr id="6" name="页脚占位符 5">
             <a:extLst>
               <a:ext uri="{FF2B5EF4-FFF2-40B4-BE49-F238E27FC236}">
-                <a16:creationId xmlns:a16="http://schemas.microsoft.com/office/drawing/2014/main" id="{EFB22CA5-7E8F-AC5D-E812-AA6767EFE5E3}"/>
+                <a16:creationId xmlns:a16="http://schemas.microsoft.com/office/drawing/2014/main" id="{AB21143F-3080-AA98-54D0-CD4464A0D931}"/>
               </a:ext>
             </a:extLst>
           </p:cNvPr>
@@ -1434,7 +1434,7 @@
           <p:cNvPr id="7" name="灯片编号占位符 6">
             <a:extLst>
               <a:ext uri="{FF2B5EF4-FFF2-40B4-BE49-F238E27FC236}">
-                <a16:creationId xmlns:a16="http://schemas.microsoft.com/office/drawing/2014/main" id="{E968F71E-F57A-5843-A9DE-330965993C06}"/>
+                <a16:creationId xmlns:a16="http://schemas.microsoft.com/office/drawing/2014/main" id="{D3884994-56B3-103F-EB78-3C6F1455CF64}"/>
               </a:ext>
             </a:extLst>
           </p:cNvPr>
@@ -1450,7 +1450,7 @@
           <a:bodyPr/>
           <a:lstStyle/>
           <a:p>
-            <a:fld id="{674CE44B-6424-41F5-9995-2E46BE86F605}" type="slidenum">
+            <a:fld id="{FFEA5EF1-8BF6-440D-9E40-D05351763CD4}" type="slidenum">
               <a:rPr lang="zh-CN" altLang="en-US" smtClean="0"/>
               <a:t>‹#›</a:t>
             </a:fld>
@@ -1461,7 +1461,7 @@
     </p:spTree>
     <p:extLst>
       <p:ext uri="{BB962C8B-B14F-4D97-AF65-F5344CB8AC3E}">
-        <p14:creationId xmlns:p14="http://schemas.microsoft.com/office/powerpoint/2010/main" val="3936438301"/>
+        <p14:creationId xmlns:p14="http://schemas.microsoft.com/office/powerpoint/2010/main" val="2513981529"/>
       </p:ext>
     </p:extLst>
   </p:cSld>
@@ -1493,7 +1493,7 @@
           <p:cNvPr id="2" name="标题 1">
             <a:extLst>
               <a:ext uri="{FF2B5EF4-FFF2-40B4-BE49-F238E27FC236}">
-                <a16:creationId xmlns:a16="http://schemas.microsoft.com/office/drawing/2014/main" id="{3CDF53D8-FA47-2147-3A74-8D7B22D9D3D8}"/>
+                <a16:creationId xmlns:a16="http://schemas.microsoft.com/office/drawing/2014/main" id="{1D312956-A9F9-15D0-23D0-4E11D9C705C0}"/>
               </a:ext>
             </a:extLst>
           </p:cNvPr>
@@ -1526,7 +1526,7 @@
           <p:cNvPr id="3" name="文本占位符 2">
             <a:extLst>
               <a:ext uri="{FF2B5EF4-FFF2-40B4-BE49-F238E27FC236}">
-                <a16:creationId xmlns:a16="http://schemas.microsoft.com/office/drawing/2014/main" id="{4755F733-A1EC-4D1E-B1BB-16B2C990F74D}"/>
+                <a16:creationId xmlns:a16="http://schemas.microsoft.com/office/drawing/2014/main" id="{6AD5836D-C526-4C0F-F3A9-F63262CA1E4B}"/>
               </a:ext>
             </a:extLst>
           </p:cNvPr>
@@ -1597,7 +1597,7 @@
           <p:cNvPr id="4" name="内容占位符 3">
             <a:extLst>
               <a:ext uri="{FF2B5EF4-FFF2-40B4-BE49-F238E27FC236}">
-                <a16:creationId xmlns:a16="http://schemas.microsoft.com/office/drawing/2014/main" id="{90018F5A-C266-B35F-D576-831D94D86C92}"/>
+                <a16:creationId xmlns:a16="http://schemas.microsoft.com/office/drawing/2014/main" id="{72238D47-3BB4-BC77-F119-93442FF69469}"/>
               </a:ext>
             </a:extLst>
           </p:cNvPr>
@@ -1659,7 +1659,7 @@
           <p:cNvPr id="5" name="文本占位符 4">
             <a:extLst>
               <a:ext uri="{FF2B5EF4-FFF2-40B4-BE49-F238E27FC236}">
-                <a16:creationId xmlns:a16="http://schemas.microsoft.com/office/drawing/2014/main" id="{473B272E-19B3-C7CC-1949-6BA70AF64B9A}"/>
+                <a16:creationId xmlns:a16="http://schemas.microsoft.com/office/drawing/2014/main" id="{0D62843F-EB9E-0F3F-39B5-3CF244F64287}"/>
               </a:ext>
             </a:extLst>
           </p:cNvPr>
@@ -1730,7 +1730,7 @@
           <p:cNvPr id="6" name="内容占位符 5">
             <a:extLst>
               <a:ext uri="{FF2B5EF4-FFF2-40B4-BE49-F238E27FC236}">
-                <a16:creationId xmlns:a16="http://schemas.microsoft.com/office/drawing/2014/main" id="{5B8F18D6-CA60-CA32-8B90-C00AC2D548D2}"/>
+                <a16:creationId xmlns:a16="http://schemas.microsoft.com/office/drawing/2014/main" id="{5F67D411-9B0C-B418-3DE3-F94197E5CE90}"/>
               </a:ext>
             </a:extLst>
           </p:cNvPr>
@@ -1792,7 +1792,7 @@
           <p:cNvPr id="7" name="日期占位符 6">
             <a:extLst>
               <a:ext uri="{FF2B5EF4-FFF2-40B4-BE49-F238E27FC236}">
-                <a16:creationId xmlns:a16="http://schemas.microsoft.com/office/drawing/2014/main" id="{55008C0F-C942-F2C2-96FD-AF425D31FAC2}"/>
+                <a16:creationId xmlns:a16="http://schemas.microsoft.com/office/drawing/2014/main" id="{674EC9B7-0EE5-4E00-A702-87ED93AE1360}"/>
               </a:ext>
             </a:extLst>
           </p:cNvPr>
@@ -1808,7 +1808,7 @@
           <a:bodyPr/>
           <a:lstStyle/>
           <a:p>
-            <a:fld id="{0E61F5C1-1BB4-48BE-B366-9009FCE60509}" type="datetimeFigureOut">
+            <a:fld id="{71E0620D-266A-4422-AFAC-7C51CA0EE018}" type="datetimeFigureOut">
               <a:rPr lang="zh-CN" altLang="en-US" smtClean="0"/>
               <a:t>2024/3/10</a:t>
             </a:fld>
@@ -1821,7 +1821,7 @@
           <p:cNvPr id="8" name="页脚占位符 7">
             <a:extLst>
               <a:ext uri="{FF2B5EF4-FFF2-40B4-BE49-F238E27FC236}">
-                <a16:creationId xmlns:a16="http://schemas.microsoft.com/office/drawing/2014/main" id="{BDA5E95F-25AC-7638-5C65-0EFD5697C95C}"/>
+                <a16:creationId xmlns:a16="http://schemas.microsoft.com/office/drawing/2014/main" id="{6B95296A-7CD7-615D-FD9F-C2E48B270218}"/>
               </a:ext>
             </a:extLst>
           </p:cNvPr>
@@ -1846,7 +1846,7 @@
           <p:cNvPr id="9" name="灯片编号占位符 8">
             <a:extLst>
               <a:ext uri="{FF2B5EF4-FFF2-40B4-BE49-F238E27FC236}">
-                <a16:creationId xmlns:a16="http://schemas.microsoft.com/office/drawing/2014/main" id="{64ECDC69-5C8F-3319-8E61-021CB2AD473D}"/>
+                <a16:creationId xmlns:a16="http://schemas.microsoft.com/office/drawing/2014/main" id="{B2FF1CF9-F7FA-FA17-7B7C-390AB6260054}"/>
               </a:ext>
             </a:extLst>
           </p:cNvPr>
@@ -1862,7 +1862,7 @@
           <a:bodyPr/>
           <a:lstStyle/>
           <a:p>
-            <a:fld id="{674CE44B-6424-41F5-9995-2E46BE86F605}" type="slidenum">
+            <a:fld id="{FFEA5EF1-8BF6-440D-9E40-D05351763CD4}" type="slidenum">
               <a:rPr lang="zh-CN" altLang="en-US" smtClean="0"/>
               <a:t>‹#›</a:t>
             </a:fld>
@@ -1873,7 +1873,7 @@
     </p:spTree>
     <p:extLst>
       <p:ext uri="{BB962C8B-B14F-4D97-AF65-F5344CB8AC3E}">
-        <p14:creationId xmlns:p14="http://schemas.microsoft.com/office/powerpoint/2010/main" val="420452693"/>
+        <p14:creationId xmlns:p14="http://schemas.microsoft.com/office/powerpoint/2010/main" val="1248818995"/>
       </p:ext>
     </p:extLst>
   </p:cSld>
@@ -1905,7 +1905,7 @@
           <p:cNvPr id="2" name="标题 1">
             <a:extLst>
               <a:ext uri="{FF2B5EF4-FFF2-40B4-BE49-F238E27FC236}">
-                <a16:creationId xmlns:a16="http://schemas.microsoft.com/office/drawing/2014/main" id="{C69D297B-D6A1-D2D3-EB74-FE667D869D5D}"/>
+                <a16:creationId xmlns:a16="http://schemas.microsoft.com/office/drawing/2014/main" id="{07808531-8783-E07B-E2BC-BE72ECB01924}"/>
               </a:ext>
             </a:extLst>
           </p:cNvPr>
@@ -1933,7 +1933,7 @@
           <p:cNvPr id="3" name="日期占位符 2">
             <a:extLst>
               <a:ext uri="{FF2B5EF4-FFF2-40B4-BE49-F238E27FC236}">
-                <a16:creationId xmlns:a16="http://schemas.microsoft.com/office/drawing/2014/main" id="{65C688A3-D264-1D8B-B99F-FF9A7DEB65A6}"/>
+                <a16:creationId xmlns:a16="http://schemas.microsoft.com/office/drawing/2014/main" id="{419099DC-0CC5-29E4-6B84-BDF2521E32B8}"/>
               </a:ext>
             </a:extLst>
           </p:cNvPr>
@@ -1949,7 +1949,7 @@
           <a:bodyPr/>
           <a:lstStyle/>
           <a:p>
-            <a:fld id="{0E61F5C1-1BB4-48BE-B366-9009FCE60509}" type="datetimeFigureOut">
+            <a:fld id="{71E0620D-266A-4422-AFAC-7C51CA0EE018}" type="datetimeFigureOut">
               <a:rPr lang="zh-CN" altLang="en-US" smtClean="0"/>
               <a:t>2024/3/10</a:t>
             </a:fld>
@@ -1962,7 +1962,7 @@
           <p:cNvPr id="4" name="页脚占位符 3">
             <a:extLst>
               <a:ext uri="{FF2B5EF4-FFF2-40B4-BE49-F238E27FC236}">
-                <a16:creationId xmlns:a16="http://schemas.microsoft.com/office/drawing/2014/main" id="{EFE849AC-0D3E-DE35-3FCA-06DA4CFA1772}"/>
+                <a16:creationId xmlns:a16="http://schemas.microsoft.com/office/drawing/2014/main" id="{0A0D4F14-C008-0452-1CB3-E58AB1AB306A}"/>
               </a:ext>
             </a:extLst>
           </p:cNvPr>
@@ -1987,7 +1987,7 @@
           <p:cNvPr id="5" name="灯片编号占位符 4">
             <a:extLst>
               <a:ext uri="{FF2B5EF4-FFF2-40B4-BE49-F238E27FC236}">
-                <a16:creationId xmlns:a16="http://schemas.microsoft.com/office/drawing/2014/main" id="{68462CA5-C54B-8D13-FBD7-493E7EF758C8}"/>
+                <a16:creationId xmlns:a16="http://schemas.microsoft.com/office/drawing/2014/main" id="{97F6EE75-B47F-7FCC-2FB4-F125C8D9B5E6}"/>
               </a:ext>
             </a:extLst>
           </p:cNvPr>
@@ -2003,7 +2003,7 @@
           <a:bodyPr/>
           <a:lstStyle/>
           <a:p>
-            <a:fld id="{674CE44B-6424-41F5-9995-2E46BE86F605}" type="slidenum">
+            <a:fld id="{FFEA5EF1-8BF6-440D-9E40-D05351763CD4}" type="slidenum">
               <a:rPr lang="zh-CN" altLang="en-US" smtClean="0"/>
               <a:t>‹#›</a:t>
             </a:fld>
@@ -2014,7 +2014,7 @@
     </p:spTree>
     <p:extLst>
       <p:ext uri="{BB962C8B-B14F-4D97-AF65-F5344CB8AC3E}">
-        <p14:creationId xmlns:p14="http://schemas.microsoft.com/office/powerpoint/2010/main" val="1371073013"/>
+        <p14:creationId xmlns:p14="http://schemas.microsoft.com/office/powerpoint/2010/main" val="645205057"/>
       </p:ext>
     </p:extLst>
   </p:cSld>
@@ -2046,7 +2046,7 @@
           <p:cNvPr id="2" name="日期占位符 1">
             <a:extLst>
               <a:ext uri="{FF2B5EF4-FFF2-40B4-BE49-F238E27FC236}">
-                <a16:creationId xmlns:a16="http://schemas.microsoft.com/office/drawing/2014/main" id="{5E874B01-BD9E-7EA5-6EE1-89A0FB17EAE5}"/>
+                <a16:creationId xmlns:a16="http://schemas.microsoft.com/office/drawing/2014/main" id="{4DCD97CE-A3B9-35C1-7349-76A4E0455D3C}"/>
               </a:ext>
             </a:extLst>
           </p:cNvPr>
@@ -2062,7 +2062,7 @@
           <a:bodyPr/>
           <a:lstStyle/>
           <a:p>
-            <a:fld id="{0E61F5C1-1BB4-48BE-B366-9009FCE60509}" type="datetimeFigureOut">
+            <a:fld id="{71E0620D-266A-4422-AFAC-7C51CA0EE018}" type="datetimeFigureOut">
               <a:rPr lang="zh-CN" altLang="en-US" smtClean="0"/>
               <a:t>2024/3/10</a:t>
             </a:fld>
@@ -2075,7 +2075,7 @@
           <p:cNvPr id="3" name="页脚占位符 2">
             <a:extLst>
               <a:ext uri="{FF2B5EF4-FFF2-40B4-BE49-F238E27FC236}">
-                <a16:creationId xmlns:a16="http://schemas.microsoft.com/office/drawing/2014/main" id="{BF4AA6E9-C432-B34B-3173-BCBCC9C4E200}"/>
+                <a16:creationId xmlns:a16="http://schemas.microsoft.com/office/drawing/2014/main" id="{9D57ADC7-1B34-41AE-C10A-F2B745017B52}"/>
               </a:ext>
             </a:extLst>
           </p:cNvPr>
@@ -2100,7 +2100,7 @@
           <p:cNvPr id="4" name="灯片编号占位符 3">
             <a:extLst>
               <a:ext uri="{FF2B5EF4-FFF2-40B4-BE49-F238E27FC236}">
-                <a16:creationId xmlns:a16="http://schemas.microsoft.com/office/drawing/2014/main" id="{E6444825-9801-1BD2-4C37-148496F7A3BA}"/>
+                <a16:creationId xmlns:a16="http://schemas.microsoft.com/office/drawing/2014/main" id="{91636A16-FAB3-4298-564C-03ACD6EEB097}"/>
               </a:ext>
             </a:extLst>
           </p:cNvPr>
@@ -2116,7 +2116,7 @@
           <a:bodyPr/>
           <a:lstStyle/>
           <a:p>
-            <a:fld id="{674CE44B-6424-41F5-9995-2E46BE86F605}" type="slidenum">
+            <a:fld id="{FFEA5EF1-8BF6-440D-9E40-D05351763CD4}" type="slidenum">
               <a:rPr lang="zh-CN" altLang="en-US" smtClean="0"/>
               <a:t>‹#›</a:t>
             </a:fld>
@@ -2127,7 +2127,7 @@
     </p:spTree>
     <p:extLst>
       <p:ext uri="{BB962C8B-B14F-4D97-AF65-F5344CB8AC3E}">
-        <p14:creationId xmlns:p14="http://schemas.microsoft.com/office/powerpoint/2010/main" val="1439410912"/>
+        <p14:creationId xmlns:p14="http://schemas.microsoft.com/office/powerpoint/2010/main" val="3850298034"/>
       </p:ext>
     </p:extLst>
   </p:cSld>
@@ -2159,7 +2159,7 @@
           <p:cNvPr id="2" name="标题 1">
             <a:extLst>
               <a:ext uri="{FF2B5EF4-FFF2-40B4-BE49-F238E27FC236}">
-                <a16:creationId xmlns:a16="http://schemas.microsoft.com/office/drawing/2014/main" id="{EE3F3FCE-A2F9-DA7E-0641-473E06F684E9}"/>
+                <a16:creationId xmlns:a16="http://schemas.microsoft.com/office/drawing/2014/main" id="{9A166195-D666-DEA9-F9A6-0CD4D0DF4284}"/>
               </a:ext>
             </a:extLst>
           </p:cNvPr>
@@ -2196,7 +2196,7 @@
           <p:cNvPr id="3" name="内容占位符 2">
             <a:extLst>
               <a:ext uri="{FF2B5EF4-FFF2-40B4-BE49-F238E27FC236}">
-                <a16:creationId xmlns:a16="http://schemas.microsoft.com/office/drawing/2014/main" id="{30CF57E5-86CC-88AE-0C72-2307393212E4}"/>
+                <a16:creationId xmlns:a16="http://schemas.microsoft.com/office/drawing/2014/main" id="{FC909917-ABD0-F83B-1073-DFE72CFFF79E}"/>
               </a:ext>
             </a:extLst>
           </p:cNvPr>
@@ -2286,7 +2286,7 @@
           <p:cNvPr id="4" name="文本占位符 3">
             <a:extLst>
               <a:ext uri="{FF2B5EF4-FFF2-40B4-BE49-F238E27FC236}">
-                <a16:creationId xmlns:a16="http://schemas.microsoft.com/office/drawing/2014/main" id="{D7344205-6CC9-CB59-A0F8-198D9C8FADA8}"/>
+                <a16:creationId xmlns:a16="http://schemas.microsoft.com/office/drawing/2014/main" id="{FC594187-5C9F-E2B5-AE89-CDB2ECB62402}"/>
               </a:ext>
             </a:extLst>
           </p:cNvPr>
@@ -2357,7 +2357,7 @@
           <p:cNvPr id="5" name="日期占位符 4">
             <a:extLst>
               <a:ext uri="{FF2B5EF4-FFF2-40B4-BE49-F238E27FC236}">
-                <a16:creationId xmlns:a16="http://schemas.microsoft.com/office/drawing/2014/main" id="{6A5E607D-AE2A-E20A-2BB9-FF234F27E1AE}"/>
+                <a16:creationId xmlns:a16="http://schemas.microsoft.com/office/drawing/2014/main" id="{DDA67767-D2BA-1A33-B095-655345967125}"/>
               </a:ext>
             </a:extLst>
           </p:cNvPr>
@@ -2373,7 +2373,7 @@
           <a:bodyPr/>
           <a:lstStyle/>
           <a:p>
-            <a:fld id="{0E61F5C1-1BB4-48BE-B366-9009FCE60509}" type="datetimeFigureOut">
+            <a:fld id="{71E0620D-266A-4422-AFAC-7C51CA0EE018}" type="datetimeFigureOut">
               <a:rPr lang="zh-CN" altLang="en-US" smtClean="0"/>
               <a:t>2024/3/10</a:t>
             </a:fld>
@@ -2386,7 +2386,7 @@
           <p:cNvPr id="6" name="页脚占位符 5">
             <a:extLst>
               <a:ext uri="{FF2B5EF4-FFF2-40B4-BE49-F238E27FC236}">
-                <a16:creationId xmlns:a16="http://schemas.microsoft.com/office/drawing/2014/main" id="{B17E91E4-84D8-A01A-A68D-9C12340E6ADE}"/>
+                <a16:creationId xmlns:a16="http://schemas.microsoft.com/office/drawing/2014/main" id="{5BA5E678-C102-DB79-8426-6CACEF9C84AE}"/>
               </a:ext>
             </a:extLst>
           </p:cNvPr>
@@ -2411,7 +2411,7 @@
           <p:cNvPr id="7" name="灯片编号占位符 6">
             <a:extLst>
               <a:ext uri="{FF2B5EF4-FFF2-40B4-BE49-F238E27FC236}">
-                <a16:creationId xmlns:a16="http://schemas.microsoft.com/office/drawing/2014/main" id="{CCDCFC38-035B-6B61-76FA-897FF9050EBD}"/>
+                <a16:creationId xmlns:a16="http://schemas.microsoft.com/office/drawing/2014/main" id="{3C4CD168-2979-3B8E-7A74-83FD874A56F3}"/>
               </a:ext>
             </a:extLst>
           </p:cNvPr>
@@ -2427,7 +2427,7 @@
           <a:bodyPr/>
           <a:lstStyle/>
           <a:p>
-            <a:fld id="{674CE44B-6424-41F5-9995-2E46BE86F605}" type="slidenum">
+            <a:fld id="{FFEA5EF1-8BF6-440D-9E40-D05351763CD4}" type="slidenum">
               <a:rPr lang="zh-CN" altLang="en-US" smtClean="0"/>
               <a:t>‹#›</a:t>
             </a:fld>
@@ -2438,7 +2438,7 @@
     </p:spTree>
     <p:extLst>
       <p:ext uri="{BB962C8B-B14F-4D97-AF65-F5344CB8AC3E}">
-        <p14:creationId xmlns:p14="http://schemas.microsoft.com/office/powerpoint/2010/main" val="4291834396"/>
+        <p14:creationId xmlns:p14="http://schemas.microsoft.com/office/powerpoint/2010/main" val="3178049362"/>
       </p:ext>
     </p:extLst>
   </p:cSld>
@@ -2470,7 +2470,7 @@
           <p:cNvPr id="2" name="标题 1">
             <a:extLst>
               <a:ext uri="{FF2B5EF4-FFF2-40B4-BE49-F238E27FC236}">
-                <a16:creationId xmlns:a16="http://schemas.microsoft.com/office/drawing/2014/main" id="{08B610FE-F311-4511-B11D-67F2E1370A19}"/>
+                <a16:creationId xmlns:a16="http://schemas.microsoft.com/office/drawing/2014/main" id="{1521A28A-6DD8-6391-356E-CC38A48BD217}"/>
               </a:ext>
             </a:extLst>
           </p:cNvPr>
@@ -2507,7 +2507,7 @@
           <p:cNvPr id="3" name="图片占位符 2">
             <a:extLst>
               <a:ext uri="{FF2B5EF4-FFF2-40B4-BE49-F238E27FC236}">
-                <a16:creationId xmlns:a16="http://schemas.microsoft.com/office/drawing/2014/main" id="{190653E4-E3CA-B5AE-C7CB-362EF62CD6C4}"/>
+                <a16:creationId xmlns:a16="http://schemas.microsoft.com/office/drawing/2014/main" id="{4C3C198D-CB09-0B27-971A-DCE20475A9D2}"/>
               </a:ext>
             </a:extLst>
           </p:cNvPr>
@@ -2574,7 +2574,7 @@
           <p:cNvPr id="4" name="文本占位符 3">
             <a:extLst>
               <a:ext uri="{FF2B5EF4-FFF2-40B4-BE49-F238E27FC236}">
-                <a16:creationId xmlns:a16="http://schemas.microsoft.com/office/drawing/2014/main" id="{CD7FC084-2C94-B78C-2A7A-55F8FF0C22D3}"/>
+                <a16:creationId xmlns:a16="http://schemas.microsoft.com/office/drawing/2014/main" id="{4D773E11-6C84-60A3-4A51-D1B2C70C170B}"/>
               </a:ext>
             </a:extLst>
           </p:cNvPr>
@@ -2645,7 +2645,7 @@
           <p:cNvPr id="5" name="日期占位符 4">
             <a:extLst>
               <a:ext uri="{FF2B5EF4-FFF2-40B4-BE49-F238E27FC236}">
-                <a16:creationId xmlns:a16="http://schemas.microsoft.com/office/drawing/2014/main" id="{2D540197-BF66-159B-6A2B-52B636F9E334}"/>
+                <a16:creationId xmlns:a16="http://schemas.microsoft.com/office/drawing/2014/main" id="{5FFE42E4-917C-6949-50D3-1561A860EFAD}"/>
               </a:ext>
             </a:extLst>
           </p:cNvPr>
@@ -2661,7 +2661,7 @@
           <a:bodyPr/>
           <a:lstStyle/>
           <a:p>
-            <a:fld id="{0E61F5C1-1BB4-48BE-B366-9009FCE60509}" type="datetimeFigureOut">
+            <a:fld id="{71E0620D-266A-4422-AFAC-7C51CA0EE018}" type="datetimeFigureOut">
               <a:rPr lang="zh-CN" altLang="en-US" smtClean="0"/>
               <a:t>2024/3/10</a:t>
             </a:fld>
@@ -2674,7 +2674,7 @@
           <p:cNvPr id="6" name="页脚占位符 5">
             <a:extLst>
               <a:ext uri="{FF2B5EF4-FFF2-40B4-BE49-F238E27FC236}">
-                <a16:creationId xmlns:a16="http://schemas.microsoft.com/office/drawing/2014/main" id="{5953FF58-A3DF-5FB7-441A-AE35EFD7AC3F}"/>
+                <a16:creationId xmlns:a16="http://schemas.microsoft.com/office/drawing/2014/main" id="{58E15638-B5BE-2E55-C787-6098A435EE41}"/>
               </a:ext>
             </a:extLst>
           </p:cNvPr>
@@ -2699,7 +2699,7 @@
           <p:cNvPr id="7" name="灯片编号占位符 6">
             <a:extLst>
               <a:ext uri="{FF2B5EF4-FFF2-40B4-BE49-F238E27FC236}">
-                <a16:creationId xmlns:a16="http://schemas.microsoft.com/office/drawing/2014/main" id="{98A3282B-1E65-308A-4782-0B9EE541249F}"/>
+                <a16:creationId xmlns:a16="http://schemas.microsoft.com/office/drawing/2014/main" id="{2335A8CF-3E6D-F2B4-446C-A1F705608350}"/>
               </a:ext>
             </a:extLst>
           </p:cNvPr>
@@ -2715,7 +2715,7 @@
           <a:bodyPr/>
           <a:lstStyle/>
           <a:p>
-            <a:fld id="{674CE44B-6424-41F5-9995-2E46BE86F605}" type="slidenum">
+            <a:fld id="{FFEA5EF1-8BF6-440D-9E40-D05351763CD4}" type="slidenum">
               <a:rPr lang="zh-CN" altLang="en-US" smtClean="0"/>
               <a:t>‹#›</a:t>
             </a:fld>
@@ -2726,7 +2726,7 @@
     </p:spTree>
     <p:extLst>
       <p:ext uri="{BB962C8B-B14F-4D97-AF65-F5344CB8AC3E}">
-        <p14:creationId xmlns:p14="http://schemas.microsoft.com/office/powerpoint/2010/main" val="1078057050"/>
+        <p14:creationId xmlns:p14="http://schemas.microsoft.com/office/powerpoint/2010/main" val="2406483408"/>
       </p:ext>
     </p:extLst>
   </p:cSld>
@@ -2763,7 +2763,7 @@
           <p:cNvPr id="2" name="标题占位符 1">
             <a:extLst>
               <a:ext uri="{FF2B5EF4-FFF2-40B4-BE49-F238E27FC236}">
-                <a16:creationId xmlns:a16="http://schemas.microsoft.com/office/drawing/2014/main" id="{3899BDDF-E142-A1BB-813A-94B97601C738}"/>
+                <a16:creationId xmlns:a16="http://schemas.microsoft.com/office/drawing/2014/main" id="{7E1E9DDB-7AB7-33E2-F149-414806AECD12}"/>
               </a:ext>
             </a:extLst>
           </p:cNvPr>
@@ -2801,7 +2801,7 @@
           <p:cNvPr id="3" name="文本占位符 2">
             <a:extLst>
               <a:ext uri="{FF2B5EF4-FFF2-40B4-BE49-F238E27FC236}">
-                <a16:creationId xmlns:a16="http://schemas.microsoft.com/office/drawing/2014/main" id="{C00776EC-21AB-0994-E03C-C041B1185FD6}"/>
+                <a16:creationId xmlns:a16="http://schemas.microsoft.com/office/drawing/2014/main" id="{C77AD002-809F-BC9E-C640-74A1819D1EF6}"/>
               </a:ext>
             </a:extLst>
           </p:cNvPr>
@@ -2868,7 +2868,7 @@
           <p:cNvPr id="4" name="日期占位符 3">
             <a:extLst>
               <a:ext uri="{FF2B5EF4-FFF2-40B4-BE49-F238E27FC236}">
-                <a16:creationId xmlns:a16="http://schemas.microsoft.com/office/drawing/2014/main" id="{185F7134-3B75-E3C7-D1E3-999FF26EB865}"/>
+                <a16:creationId xmlns:a16="http://schemas.microsoft.com/office/drawing/2014/main" id="{2916F4BC-49ED-7D4E-0164-4B16389AC815}"/>
               </a:ext>
             </a:extLst>
           </p:cNvPr>
@@ -2902,7 +2902,7 @@
             </a:lvl1pPr>
           </a:lstStyle>
           <a:p>
-            <a:fld id="{0E61F5C1-1BB4-48BE-B366-9009FCE60509}" type="datetimeFigureOut">
+            <a:fld id="{71E0620D-266A-4422-AFAC-7C51CA0EE018}" type="datetimeFigureOut">
               <a:rPr lang="zh-CN" altLang="en-US" smtClean="0"/>
               <a:t>2024/3/10</a:t>
             </a:fld>
@@ -2915,7 +2915,7 @@
           <p:cNvPr id="5" name="页脚占位符 4">
             <a:extLst>
               <a:ext uri="{FF2B5EF4-FFF2-40B4-BE49-F238E27FC236}">
-                <a16:creationId xmlns:a16="http://schemas.microsoft.com/office/drawing/2014/main" id="{7594B589-B473-68DC-1BDF-94C196D61ACA}"/>
+                <a16:creationId xmlns:a16="http://schemas.microsoft.com/office/drawing/2014/main" id="{4962E187-1285-88A9-24BE-A9D0EDB567CE}"/>
               </a:ext>
             </a:extLst>
           </p:cNvPr>
@@ -2958,7 +2958,7 @@
           <p:cNvPr id="6" name="灯片编号占位符 5">
             <a:extLst>
               <a:ext uri="{FF2B5EF4-FFF2-40B4-BE49-F238E27FC236}">
-                <a16:creationId xmlns:a16="http://schemas.microsoft.com/office/drawing/2014/main" id="{F8704305-D11C-324E-A05C-22D1F0DB419B}"/>
+                <a16:creationId xmlns:a16="http://schemas.microsoft.com/office/drawing/2014/main" id="{13423EE6-609D-2A05-F372-06C90AC4B6D9}"/>
               </a:ext>
             </a:extLst>
           </p:cNvPr>
@@ -2992,7 +2992,7 @@
             </a:lvl1pPr>
           </a:lstStyle>
           <a:p>
-            <a:fld id="{674CE44B-6424-41F5-9995-2E46BE86F605}" type="slidenum">
+            <a:fld id="{FFEA5EF1-8BF6-440D-9E40-D05351763CD4}" type="slidenum">
               <a:rPr lang="zh-CN" altLang="en-US" smtClean="0"/>
               <a:t>‹#›</a:t>
             </a:fld>
@@ -3003,7 +3003,7 @@
     </p:spTree>
     <p:extLst>
       <p:ext uri="{BB962C8B-B14F-4D97-AF65-F5344CB8AC3E}">
-        <p14:creationId xmlns:p14="http://schemas.microsoft.com/office/powerpoint/2010/main" val="1979363209"/>
+        <p14:creationId xmlns:p14="http://schemas.microsoft.com/office/powerpoint/2010/main" val="1323379725"/>
       </p:ext>
     </p:extLst>
   </p:cSld>
